--- a/SIGCOMM_Figures/updatedimages/basic_lte_simple3_new.pptx
+++ b/SIGCOMM_Figures/updatedimages/basic_lte_simple3_new.pptx
@@ -10,7 +10,7 @@
   <p:sldIdLst>
     <p:sldId id="256" r:id="rId2"/>
   </p:sldIdLst>
-  <p:sldSz cx="2103438" cy="1006475"/>
+  <p:sldSz cx="2011363" cy="1096963"/>
   <p:notesSz cx="6858000" cy="9144000"/>
   <p:defaultTextStyle>
     <a:defPPr>
@@ -110,17 +110,17 @@
   <p:extLst>
     <p:ext uri="{EFAFB233-063F-42B5-8137-9DF3F51BA10A}">
       <p15:sldGuideLst xmlns:p15="http://schemas.microsoft.com/office/powerpoint/2012/main">
-        <p15:guide id="1" orient="horz" pos="317" userDrawn="1">
+        <p15:guide id="1" orient="horz" pos="346" userDrawn="1">
           <p15:clr>
             <a:srgbClr val="A4A3A4"/>
           </p15:clr>
         </p15:guide>
-        <p15:guide id="2" pos="922" userDrawn="1">
+        <p15:guide id="2" pos="882" userDrawn="1">
           <p15:clr>
             <a:srgbClr val="A4A3A4"/>
           </p15:clr>
         </p15:guide>
-        <p15:guide id="3" pos="663" userDrawn="1">
+        <p15:guide id="3" pos="635" userDrawn="1">
           <p15:clr>
             <a:srgbClr val="A4A3A4"/>
           </p15:clr>
@@ -213,7 +213,7 @@
           <a:p>
             <a:fld id="{B327E4A7-847A-484E-B4AC-DC353DA4CE69}" type="datetimeFigureOut">
               <a:rPr lang="en-US" smtClean="0"/>
-              <a:t>6/18/18</a:t>
+              <a:t>6/21/18</a:t>
             </a:fld>
             <a:endParaRPr lang="en-US"/>
           </a:p>
@@ -231,8 +231,8 @@
         </p:nvSpPr>
         <p:spPr>
           <a:xfrm>
-            <a:off x="204788" y="1143000"/>
-            <a:ext cx="6448425" cy="3086100"/>
+            <a:off x="600075" y="1143000"/>
+            <a:ext cx="5657850" cy="3086100"/>
           </a:xfrm>
           <a:prstGeom prst="rect">
             <a:avLst/>
@@ -509,8 +509,8 @@
         </p:nvSpPr>
         <p:spPr>
           <a:xfrm>
-            <a:off x="204788" y="1143000"/>
-            <a:ext cx="6448425" cy="3086100"/>
+            <a:off x="600075" y="1143000"/>
+            <a:ext cx="5657850" cy="3086100"/>
           </a:xfrm>
         </p:spPr>
       </p:sp>
@@ -598,8 +598,8 @@
         </p:nvSpPr>
         <p:spPr>
           <a:xfrm>
-            <a:off x="157766" y="312662"/>
-            <a:ext cx="1787923" cy="215741"/>
+            <a:off x="150863" y="340777"/>
+            <a:ext cx="1709659" cy="235137"/>
           </a:xfrm>
         </p:spPr>
         <p:txBody>
@@ -625,8 +625,8 @@
         </p:nvSpPr>
         <p:spPr>
           <a:xfrm>
-            <a:off x="315522" y="570336"/>
-            <a:ext cx="1472407" cy="257210"/>
+            <a:off x="301712" y="621615"/>
+            <a:ext cx="1407955" cy="280335"/>
           </a:xfrm>
         </p:spPr>
         <p:txBody>
@@ -748,7 +748,7 @@
           <a:p>
             <a:fld id="{A55F4D1E-AB8E-2A4F-BA35-32ACE32DE7C0}" type="datetimeFigureOut">
               <a:rPr lang="en-US" smtClean="0"/>
-              <a:t>6/18/18</a:t>
+              <a:t>6/21/18</a:t>
             </a:fld>
             <a:endParaRPr lang="en-US"/>
           </a:p>
@@ -916,7 +916,7 @@
           <a:p>
             <a:fld id="{A55F4D1E-AB8E-2A4F-BA35-32ACE32DE7C0}" type="datetimeFigureOut">
               <a:rPr lang="en-US" smtClean="0"/>
-              <a:t>6/18/18</a:t>
+              <a:t>6/21/18</a:t>
             </a:fld>
             <a:endParaRPr lang="en-US"/>
           </a:p>
@@ -1006,8 +1006,8 @@
         </p:nvSpPr>
         <p:spPr>
           <a:xfrm>
-            <a:off x="1524995" y="40308"/>
-            <a:ext cx="473274" cy="858766"/>
+            <a:off x="1458242" y="43932"/>
+            <a:ext cx="452558" cy="935974"/>
           </a:xfrm>
         </p:spPr>
         <p:txBody>
@@ -1033,8 +1033,8 @@
         </p:nvSpPr>
         <p:spPr>
           <a:xfrm>
-            <a:off x="105184" y="40308"/>
-            <a:ext cx="1384763" cy="858766"/>
+            <a:off x="100582" y="43932"/>
+            <a:ext cx="1324146" cy="935974"/>
           </a:xfrm>
         </p:spPr>
         <p:txBody>
@@ -1094,7 +1094,7 @@
           <a:p>
             <a:fld id="{A55F4D1E-AB8E-2A4F-BA35-32ACE32DE7C0}" type="datetimeFigureOut">
               <a:rPr lang="en-US" smtClean="0"/>
-              <a:t>6/18/18</a:t>
+              <a:t>6/21/18</a:t>
             </a:fld>
             <a:endParaRPr lang="en-US"/>
           </a:p>
@@ -1262,7 +1262,7 @@
           <a:p>
             <a:fld id="{A55F4D1E-AB8E-2A4F-BA35-32ACE32DE7C0}" type="datetimeFigureOut">
               <a:rPr lang="en-US" smtClean="0"/>
-              <a:t>6/18/18</a:t>
+              <a:t>6/21/18</a:t>
             </a:fld>
             <a:endParaRPr lang="en-US"/>
           </a:p>
@@ -1352,8 +1352,8 @@
         </p:nvSpPr>
         <p:spPr>
           <a:xfrm>
-            <a:off x="166164" y="646760"/>
-            <a:ext cx="1787923" cy="199897"/>
+            <a:off x="158893" y="704912"/>
+            <a:ext cx="1709659" cy="217869"/>
           </a:xfrm>
         </p:spPr>
         <p:txBody>
@@ -1383,8 +1383,8 @@
         </p:nvSpPr>
         <p:spPr>
           <a:xfrm>
-            <a:off x="166164" y="426593"/>
-            <a:ext cx="1787923" cy="220168"/>
+            <a:off x="158893" y="464946"/>
+            <a:ext cx="1709659" cy="239962"/>
           </a:xfrm>
         </p:spPr>
         <p:txBody>
@@ -1507,7 +1507,7 @@
           <a:p>
             <a:fld id="{A55F4D1E-AB8E-2A4F-BA35-32ACE32DE7C0}" type="datetimeFigureOut">
               <a:rPr lang="en-US" smtClean="0"/>
-              <a:t>6/18/18</a:t>
+              <a:t>6/21/18</a:t>
             </a:fld>
             <a:endParaRPr lang="en-US"/>
           </a:p>
@@ -1619,8 +1619,8 @@
         </p:nvSpPr>
         <p:spPr>
           <a:xfrm>
-            <a:off x="105174" y="234847"/>
-            <a:ext cx="929018" cy="664226"/>
+            <a:off x="100571" y="255961"/>
+            <a:ext cx="888351" cy="723944"/>
           </a:xfrm>
         </p:spPr>
         <p:txBody>
@@ -1703,8 +1703,8 @@
         </p:nvSpPr>
         <p:spPr>
           <a:xfrm>
-            <a:off x="1069251" y="234847"/>
-            <a:ext cx="929018" cy="664226"/>
+            <a:off x="1022448" y="255961"/>
+            <a:ext cx="888351" cy="723944"/>
           </a:xfrm>
         </p:spPr>
         <p:txBody>
@@ -1792,7 +1792,7 @@
           <a:p>
             <a:fld id="{A55F4D1E-AB8E-2A4F-BA35-32ACE32DE7C0}" type="datetimeFigureOut">
               <a:rPr lang="en-US" smtClean="0"/>
-              <a:t>6/18/18</a:t>
+              <a:t>6/21/18</a:t>
             </a:fld>
             <a:endParaRPr lang="en-US"/>
           </a:p>
@@ -1908,8 +1908,8 @@
         </p:nvSpPr>
         <p:spPr>
           <a:xfrm>
-            <a:off x="105185" y="225301"/>
-            <a:ext cx="929383" cy="93891"/>
+            <a:off x="100583" y="245559"/>
+            <a:ext cx="888701" cy="102332"/>
           </a:xfrm>
         </p:spPr>
         <p:txBody>
@@ -1973,8 +1973,8 @@
         </p:nvSpPr>
         <p:spPr>
           <a:xfrm>
-            <a:off x="105185" y="319203"/>
-            <a:ext cx="929383" cy="579889"/>
+            <a:off x="100583" y="347903"/>
+            <a:ext cx="888701" cy="632024"/>
           </a:xfrm>
         </p:spPr>
         <p:txBody>
@@ -2057,8 +2057,8 @@
         </p:nvSpPr>
         <p:spPr>
           <a:xfrm>
-            <a:off x="1068523" y="225301"/>
-            <a:ext cx="929748" cy="93891"/>
+            <a:off x="1021750" y="245559"/>
+            <a:ext cx="889050" cy="102332"/>
           </a:xfrm>
         </p:spPr>
         <p:txBody>
@@ -2122,8 +2122,8 @@
         </p:nvSpPr>
         <p:spPr>
           <a:xfrm>
-            <a:off x="1068523" y="319203"/>
-            <a:ext cx="929748" cy="579889"/>
+            <a:off x="1021750" y="347903"/>
+            <a:ext cx="889050" cy="632024"/>
           </a:xfrm>
         </p:spPr>
         <p:txBody>
@@ -2211,7 +2211,7 @@
           <a:p>
             <a:fld id="{A55F4D1E-AB8E-2A4F-BA35-32ACE32DE7C0}" type="datetimeFigureOut">
               <a:rPr lang="en-US" smtClean="0"/>
-              <a:t>6/18/18</a:t>
+              <a:t>6/21/18</a:t>
             </a:fld>
             <a:endParaRPr lang="en-US"/>
           </a:p>
@@ -2328,7 +2328,7 @@
           <a:p>
             <a:fld id="{A55F4D1E-AB8E-2A4F-BA35-32ACE32DE7C0}" type="datetimeFigureOut">
               <a:rPr lang="en-US" smtClean="0"/>
-              <a:t>6/18/18</a:t>
+              <a:t>6/21/18</a:t>
             </a:fld>
             <a:endParaRPr lang="en-US"/>
           </a:p>
@@ -2423,7 +2423,7 @@
           <a:p>
             <a:fld id="{A55F4D1E-AB8E-2A4F-BA35-32ACE32DE7C0}" type="datetimeFigureOut">
               <a:rPr lang="en-US" smtClean="0"/>
-              <a:t>6/18/18</a:t>
+              <a:t>6/21/18</a:t>
             </a:fld>
             <a:endParaRPr lang="en-US"/>
           </a:p>
@@ -2513,8 +2513,8 @@
         </p:nvSpPr>
         <p:spPr>
           <a:xfrm>
-            <a:off x="105177" y="40091"/>
-            <a:ext cx="692016" cy="170540"/>
+            <a:off x="100575" y="43698"/>
+            <a:ext cx="661724" cy="185873"/>
           </a:xfrm>
         </p:spPr>
         <p:txBody>
@@ -2544,8 +2544,8 @@
         </p:nvSpPr>
         <p:spPr>
           <a:xfrm>
-            <a:off x="822391" y="40095"/>
-            <a:ext cx="1175882" cy="858998"/>
+            <a:off x="786394" y="43703"/>
+            <a:ext cx="1124408" cy="936227"/>
           </a:xfrm>
         </p:spPr>
         <p:txBody>
@@ -2628,8 +2628,8 @@
         </p:nvSpPr>
         <p:spPr>
           <a:xfrm>
-            <a:off x="105177" y="210616"/>
-            <a:ext cx="692016" cy="688458"/>
+            <a:off x="100575" y="229552"/>
+            <a:ext cx="661724" cy="750354"/>
           </a:xfrm>
         </p:spPr>
         <p:txBody>
@@ -2698,7 +2698,7 @@
           <a:p>
             <a:fld id="{A55F4D1E-AB8E-2A4F-BA35-32ACE32DE7C0}" type="datetimeFigureOut">
               <a:rPr lang="en-US" smtClean="0"/>
-              <a:t>6/18/18</a:t>
+              <a:t>6/21/18</a:t>
             </a:fld>
             <a:endParaRPr lang="en-US"/>
           </a:p>
@@ -2788,8 +2788,8 @@
         </p:nvSpPr>
         <p:spPr>
           <a:xfrm>
-            <a:off x="412298" y="704547"/>
-            <a:ext cx="1262063" cy="83174"/>
+            <a:off x="394251" y="767890"/>
+            <a:ext cx="1206818" cy="90652"/>
           </a:xfrm>
         </p:spPr>
         <p:txBody>
@@ -2819,8 +2819,8 @@
         </p:nvSpPr>
         <p:spPr>
           <a:xfrm>
-            <a:off x="412298" y="89936"/>
-            <a:ext cx="1262063" cy="603885"/>
+            <a:off x="394251" y="98023"/>
+            <a:ext cx="1206818" cy="658178"/>
           </a:xfrm>
         </p:spPr>
         <p:txBody>
@@ -2880,8 +2880,8 @@
         </p:nvSpPr>
         <p:spPr>
           <a:xfrm>
-            <a:off x="412298" y="787728"/>
-            <a:ext cx="1262063" cy="118121"/>
+            <a:off x="394251" y="858554"/>
+            <a:ext cx="1206818" cy="128741"/>
           </a:xfrm>
         </p:spPr>
         <p:txBody>
@@ -2950,7 +2950,7 @@
           <a:p>
             <a:fld id="{A55F4D1E-AB8E-2A4F-BA35-32ACE32DE7C0}" type="datetimeFigureOut">
               <a:rPr lang="en-US" smtClean="0"/>
-              <a:t>6/18/18</a:t>
+              <a:t>6/21/18</a:t>
             </a:fld>
             <a:endParaRPr lang="en-US"/>
           </a:p>
@@ -3045,8 +3045,8 @@
         </p:nvSpPr>
         <p:spPr>
           <a:xfrm>
-            <a:off x="105176" y="40307"/>
-            <a:ext cx="1893094" cy="167746"/>
+            <a:off x="100571" y="43934"/>
+            <a:ext cx="1810227" cy="182827"/>
           </a:xfrm>
           <a:prstGeom prst="rect">
             <a:avLst/>
@@ -3077,8 +3077,8 @@
         </p:nvSpPr>
         <p:spPr>
           <a:xfrm>
-            <a:off x="105176" y="234847"/>
-            <a:ext cx="1893094" cy="664226"/>
+            <a:off x="100571" y="255961"/>
+            <a:ext cx="1810227" cy="723944"/>
           </a:xfrm>
           <a:prstGeom prst="rect">
             <a:avLst/>
@@ -3138,8 +3138,8 @@
         </p:nvSpPr>
         <p:spPr>
           <a:xfrm>
-            <a:off x="105172" y="932874"/>
-            <a:ext cx="490802" cy="53585"/>
+            <a:off x="100568" y="1016749"/>
+            <a:ext cx="469318" cy="58403"/>
           </a:xfrm>
           <a:prstGeom prst="rect">
             <a:avLst/>
@@ -3161,7 +3161,7 @@
           <a:p>
             <a:fld id="{A55F4D1E-AB8E-2A4F-BA35-32ACE32DE7C0}" type="datetimeFigureOut">
               <a:rPr lang="en-US" smtClean="0"/>
-              <a:t>6/18/18</a:t>
+              <a:t>6/21/18</a:t>
             </a:fld>
             <a:endParaRPr lang="en-US"/>
           </a:p>
@@ -3179,8 +3179,8 @@
         </p:nvSpPr>
         <p:spPr>
           <a:xfrm>
-            <a:off x="718683" y="932874"/>
-            <a:ext cx="666089" cy="53585"/>
+            <a:off x="687225" y="1016749"/>
+            <a:ext cx="636932" cy="58403"/>
           </a:xfrm>
           <a:prstGeom prst="rect">
             <a:avLst/>
@@ -3216,8 +3216,8 @@
         </p:nvSpPr>
         <p:spPr>
           <a:xfrm>
-            <a:off x="1507464" y="932874"/>
-            <a:ext cx="490802" cy="53585"/>
+            <a:off x="1441477" y="1016749"/>
+            <a:ext cx="469318" cy="58403"/>
           </a:xfrm>
           <a:prstGeom prst="rect">
             <a:avLst/>
@@ -3538,10 +3538,10 @@
       </p:grpSpPr>
       <p:grpSp>
         <p:nvGrpSpPr>
-          <p:cNvPr id="7" name="Group 6">
+          <p:cNvPr id="78" name="Group 77">
             <a:extLst>
               <a:ext uri="{FF2B5EF4-FFF2-40B4-BE49-F238E27FC236}">
-                <a16:creationId xmlns:a16="http://schemas.microsoft.com/office/drawing/2014/main" id="{60339415-FF1C-8248-8A5B-6CB79BBD14CF}"/>
+                <a16:creationId xmlns:a16="http://schemas.microsoft.com/office/drawing/2014/main" id="{49F56D5A-EA8A-3D49-A2BA-F806048B9167}"/>
               </a:ext>
             </a:extLst>
           </p:cNvPr>
@@ -3550,15 +3550,21 @@
         </p:nvGrpSpPr>
         <p:grpSpPr>
           <a:xfrm>
-            <a:off x="-22246" y="-28324"/>
-            <a:ext cx="2254271" cy="1018160"/>
-            <a:chOff x="-22246" y="-28324"/>
-            <a:chExt cx="2254271" cy="1018160"/>
+            <a:off x="-49213" y="31750"/>
+            <a:ext cx="2200820" cy="1018160"/>
+            <a:chOff x="-21" y="-28324"/>
+            <a:chExt cx="2200820" cy="1018160"/>
           </a:xfrm>
         </p:grpSpPr>
         <p:cxnSp>
           <p:nvCxnSpPr>
-            <p:cNvPr id="117" name="Straight Arrow Connector 116"/>
+            <p:cNvPr id="79" name="Straight Arrow Connector 78">
+              <a:extLst>
+                <a:ext uri="{FF2B5EF4-FFF2-40B4-BE49-F238E27FC236}">
+                  <a16:creationId xmlns:a16="http://schemas.microsoft.com/office/drawing/2014/main" id="{1FD6D7F2-5F9A-F247-9F0C-5EB1D355BF23}"/>
+                </a:ext>
+              </a:extLst>
+            </p:cNvPr>
             <p:cNvCxnSpPr/>
             <p:nvPr/>
           </p:nvCxnSpPr>
@@ -3597,7 +3603,13 @@
         </p:cxnSp>
         <p:sp>
           <p:nvSpPr>
-            <p:cNvPr id="119" name="Rectangle 118"/>
+            <p:cNvPr id="80" name="Rectangle 79">
+              <a:extLst>
+                <a:ext uri="{FF2B5EF4-FFF2-40B4-BE49-F238E27FC236}">
+                  <a16:creationId xmlns:a16="http://schemas.microsoft.com/office/drawing/2014/main" id="{C4353D60-709F-ED44-977C-88C5E159DA9C}"/>
+                </a:ext>
+              </a:extLst>
+            </p:cNvPr>
             <p:cNvSpPr/>
             <p:nvPr/>
           </p:nvSpPr>
@@ -3645,10 +3657,16 @@
         </p:sp>
         <p:cxnSp>
           <p:nvCxnSpPr>
-            <p:cNvPr id="120" name="Straight Connector 119"/>
+            <p:cNvPr id="81" name="Straight Connector 80">
+              <a:extLst>
+                <a:ext uri="{FF2B5EF4-FFF2-40B4-BE49-F238E27FC236}">
+                  <a16:creationId xmlns:a16="http://schemas.microsoft.com/office/drawing/2014/main" id="{878138E4-E200-134F-BC52-6310E4C33D63}"/>
+                </a:ext>
+              </a:extLst>
+            </p:cNvPr>
             <p:cNvCxnSpPr>
-              <a:stCxn id="119" idx="3"/>
-              <a:endCxn id="175" idx="1"/>
+              <a:stCxn id="80" idx="3"/>
+              <a:endCxn id="99" idx="1"/>
             </p:cNvCxnSpPr>
             <p:nvPr/>
           </p:nvCxnSpPr>
@@ -3685,10 +3703,16 @@
         </p:cxnSp>
         <p:cxnSp>
           <p:nvCxnSpPr>
-            <p:cNvPr id="122" name="Straight Connector 121"/>
+            <p:cNvPr id="82" name="Straight Connector 81">
+              <a:extLst>
+                <a:ext uri="{FF2B5EF4-FFF2-40B4-BE49-F238E27FC236}">
+                  <a16:creationId xmlns:a16="http://schemas.microsoft.com/office/drawing/2014/main" id="{42E03E8D-7EBE-E34A-B6F8-2BDD165B1917}"/>
+                </a:ext>
+              </a:extLst>
+            </p:cNvPr>
             <p:cNvCxnSpPr>
-              <a:stCxn id="174" idx="0"/>
-              <a:endCxn id="119" idx="2"/>
+              <a:stCxn id="97" idx="0"/>
+              <a:endCxn id="80" idx="2"/>
             </p:cNvCxnSpPr>
             <p:nvPr/>
           </p:nvCxnSpPr>
@@ -3725,14 +3749,20 @@
         </p:cxnSp>
         <p:sp>
           <p:nvSpPr>
-            <p:cNvPr id="124" name="TextBox 123"/>
+            <p:cNvPr id="83" name="TextBox 82">
+              <a:extLst>
+                <a:ext uri="{FF2B5EF4-FFF2-40B4-BE49-F238E27FC236}">
+                  <a16:creationId xmlns:a16="http://schemas.microsoft.com/office/drawing/2014/main" id="{BEC47062-ED49-B74E-A76F-7D5C21B09B36}"/>
+                </a:ext>
+              </a:extLst>
+            </p:cNvPr>
             <p:cNvSpPr txBox="1"/>
             <p:nvPr/>
           </p:nvSpPr>
           <p:spPr>
             <a:xfrm>
               <a:off x="943478" y="219673"/>
-              <a:ext cx="390529" cy="209945"/>
+              <a:ext cx="390529" cy="184666"/>
             </a:xfrm>
             <a:prstGeom prst="rect">
               <a:avLst/>
@@ -3764,28 +3794,40 @@
         </p:sp>
         <p:grpSp>
           <p:nvGrpSpPr>
-            <p:cNvPr id="126" name="Group 125"/>
+            <p:cNvPr id="84" name="Group 83">
+              <a:extLst>
+                <a:ext uri="{FF2B5EF4-FFF2-40B4-BE49-F238E27FC236}">
+                  <a16:creationId xmlns:a16="http://schemas.microsoft.com/office/drawing/2014/main" id="{FDBC1C4D-2CB1-5746-B575-4A3C8BB2280A}"/>
+                </a:ext>
+              </a:extLst>
+            </p:cNvPr>
             <p:cNvGrpSpPr/>
             <p:nvPr/>
           </p:nvGrpSpPr>
           <p:grpSpPr>
             <a:xfrm>
-              <a:off x="-22246" y="86118"/>
+              <a:off x="-21" y="86118"/>
               <a:ext cx="698129" cy="786334"/>
-              <a:chOff x="61877" y="87235"/>
+              <a:chOff x="85159" y="87235"/>
               <a:chExt cx="731407" cy="632117"/>
             </a:xfrm>
           </p:grpSpPr>
           <p:sp>
             <p:nvSpPr>
-              <p:cNvPr id="167" name="TextBox 166"/>
+              <p:cNvPr id="121" name="TextBox 120">
+                <a:extLst>
+                  <a:ext uri="{FF2B5EF4-FFF2-40B4-BE49-F238E27FC236}">
+                    <a16:creationId xmlns:a16="http://schemas.microsoft.com/office/drawing/2014/main" id="{BC90174C-571E-3B4A-AB96-A853D7AC7DC7}"/>
+                  </a:ext>
+                </a:extLst>
+              </p:cNvPr>
               <p:cNvSpPr txBox="1"/>
               <p:nvPr/>
             </p:nvSpPr>
             <p:spPr>
               <a:xfrm>
-                <a:off x="61877" y="87235"/>
-                <a:ext cx="731407" cy="253156"/>
+                <a:off x="85159" y="87235"/>
+                <a:ext cx="731407" cy="222674"/>
               </a:xfrm>
               <a:prstGeom prst="rect">
                 <a:avLst/>
@@ -3812,7 +3854,13 @@
           </p:sp>
           <p:pic>
             <p:nvPicPr>
-              <p:cNvPr id="168" name="Picture 167"/>
+              <p:cNvPr id="123" name="Picture 122">
+                <a:extLst>
+                  <a:ext uri="{FF2B5EF4-FFF2-40B4-BE49-F238E27FC236}">
+                    <a16:creationId xmlns:a16="http://schemas.microsoft.com/office/drawing/2014/main" id="{A06EB959-86F3-FA47-8E6C-613E3B1183DD}"/>
+                  </a:ext>
+                </a:extLst>
+              </p:cNvPr>
               <p:cNvPicPr>
                 <a:picLocks noChangeAspect="1"/>
               </p:cNvPicPr>
@@ -3838,7 +3886,7 @@
             </p:blipFill>
             <p:spPr>
               <a:xfrm>
-                <a:off x="180035" y="354175"/>
+                <a:off x="206645" y="351623"/>
                 <a:ext cx="258938" cy="93160"/>
               </a:xfrm>
               <a:prstGeom prst="rect">
@@ -3848,13 +3896,19 @@
           </p:pic>
           <p:sp>
             <p:nvSpPr>
-              <p:cNvPr id="169" name="Cloud 168"/>
+              <p:cNvPr id="125" name="Cloud 124">
+                <a:extLst>
+                  <a:ext uri="{FF2B5EF4-FFF2-40B4-BE49-F238E27FC236}">
+                    <a16:creationId xmlns:a16="http://schemas.microsoft.com/office/drawing/2014/main" id="{2C782A82-5280-0442-8424-781256225BA5}"/>
+                  </a:ext>
+                </a:extLst>
+              </p:cNvPr>
               <p:cNvSpPr/>
               <p:nvPr/>
             </p:nvSpPr>
             <p:spPr>
               <a:xfrm>
-                <a:off x="121773" y="283663"/>
+                <a:off x="145062" y="283663"/>
                 <a:ext cx="534690" cy="435689"/>
               </a:xfrm>
               <a:prstGeom prst="cloud">
@@ -3901,7 +3955,13 @@
           </p:sp>
           <p:pic>
             <p:nvPicPr>
-              <p:cNvPr id="170" name="Picture 169"/>
+              <p:cNvPr id="129" name="Picture 128">
+                <a:extLst>
+                  <a:ext uri="{FF2B5EF4-FFF2-40B4-BE49-F238E27FC236}">
+                    <a16:creationId xmlns:a16="http://schemas.microsoft.com/office/drawing/2014/main" id="{1049A1D7-DF17-1049-A1B1-474319438B4D}"/>
+                  </a:ext>
+                </a:extLst>
+              </p:cNvPr>
               <p:cNvPicPr>
                 <a:picLocks noChangeAspect="1"/>
               </p:cNvPicPr>
@@ -3915,7 +3975,7 @@
             </p:blipFill>
             <p:spPr>
               <a:xfrm>
-                <a:off x="478482" y="504442"/>
+                <a:off x="505092" y="501890"/>
                 <a:ext cx="44929" cy="102184"/>
               </a:xfrm>
               <a:prstGeom prst="rect">
@@ -3925,7 +3985,13 @@
           </p:pic>
           <p:pic>
             <p:nvPicPr>
-              <p:cNvPr id="171" name="Picture 170"/>
+              <p:cNvPr id="130" name="Picture 129">
+                <a:extLst>
+                  <a:ext uri="{FF2B5EF4-FFF2-40B4-BE49-F238E27FC236}">
+                    <a16:creationId xmlns:a16="http://schemas.microsoft.com/office/drawing/2014/main" id="{0E3CB3B8-5399-3946-8275-287AA19EE078}"/>
+                  </a:ext>
+                </a:extLst>
+              </p:cNvPr>
               <p:cNvPicPr>
                 <a:picLocks noChangeAspect="1"/>
               </p:cNvPicPr>
@@ -3954,7 +4020,7 @@
             </p:blipFill>
             <p:spPr>
               <a:xfrm>
-                <a:off x="480324" y="342961"/>
+                <a:off x="506935" y="340408"/>
                 <a:ext cx="44929" cy="102184"/>
               </a:xfrm>
               <a:prstGeom prst="rect">
@@ -3964,7 +4030,13 @@
           </p:pic>
           <p:pic>
             <p:nvPicPr>
-              <p:cNvPr id="172" name="Picture 171"/>
+              <p:cNvPr id="133" name="Picture 132">
+                <a:extLst>
+                  <a:ext uri="{FF2B5EF4-FFF2-40B4-BE49-F238E27FC236}">
+                    <a16:creationId xmlns:a16="http://schemas.microsoft.com/office/drawing/2014/main" id="{6661EE1D-8042-514A-923F-9367BF9C5CA0}"/>
+                  </a:ext>
+                </a:extLst>
+              </p:cNvPr>
               <p:cNvPicPr>
                 <a:picLocks noChangeAspect="1"/>
               </p:cNvPicPr>
@@ -3978,7 +4050,7 @@
             </p:blipFill>
             <p:spPr>
               <a:xfrm>
-                <a:off x="568393" y="404600"/>
+                <a:off x="595004" y="402047"/>
                 <a:ext cx="44929" cy="102184"/>
               </a:xfrm>
               <a:prstGeom prst="rect">
@@ -3988,7 +4060,13 @@
           </p:pic>
           <p:pic>
             <p:nvPicPr>
-              <p:cNvPr id="173" name="Picture 172"/>
+              <p:cNvPr id="134" name="Picture 133">
+                <a:extLst>
+                  <a:ext uri="{FF2B5EF4-FFF2-40B4-BE49-F238E27FC236}">
+                    <a16:creationId xmlns:a16="http://schemas.microsoft.com/office/drawing/2014/main" id="{F917F719-5A16-B54D-9ED0-258775618AFB}"/>
+                  </a:ext>
+                </a:extLst>
+              </p:cNvPr>
               <p:cNvPicPr>
                 <a:picLocks noChangeAspect="1"/>
               </p:cNvPicPr>
@@ -4002,7 +4080,7 @@
             </p:blipFill>
             <p:spPr>
               <a:xfrm>
-                <a:off x="226020" y="429644"/>
+                <a:off x="252631" y="427092"/>
                 <a:ext cx="242507" cy="241875"/>
               </a:xfrm>
               <a:prstGeom prst="rect">
@@ -4013,7 +4091,13 @@
         </p:grpSp>
         <p:grpSp>
           <p:nvGrpSpPr>
-            <p:cNvPr id="127" name="Group 126"/>
+            <p:cNvPr id="85" name="Group 84">
+              <a:extLst>
+                <a:ext uri="{FF2B5EF4-FFF2-40B4-BE49-F238E27FC236}">
+                  <a16:creationId xmlns:a16="http://schemas.microsoft.com/office/drawing/2014/main" id="{B4D61C51-751B-AC4A-810B-3C640C57BA34}"/>
+                </a:ext>
+              </a:extLst>
+            </p:cNvPr>
             <p:cNvGrpSpPr/>
             <p:nvPr/>
           </p:nvGrpSpPr>
@@ -4027,7 +4111,13 @@
           </p:grpSpPr>
           <p:sp>
             <p:nvSpPr>
-              <p:cNvPr id="163" name="Rectangle 162"/>
+              <p:cNvPr id="114" name="Rectangle 113">
+                <a:extLst>
+                  <a:ext uri="{FF2B5EF4-FFF2-40B4-BE49-F238E27FC236}">
+                    <a16:creationId xmlns:a16="http://schemas.microsoft.com/office/drawing/2014/main" id="{2D92CA38-D09B-8040-87A5-8A91B833B1C3}"/>
+                  </a:ext>
+                </a:extLst>
+              </p:cNvPr>
               <p:cNvSpPr/>
               <p:nvPr/>
             </p:nvSpPr>
@@ -4077,7 +4167,13 @@
           </p:sp>
           <p:grpSp>
             <p:nvGrpSpPr>
-              <p:cNvPr id="164" name="Group 163"/>
+              <p:cNvPr id="115" name="Group 114">
+                <a:extLst>
+                  <a:ext uri="{FF2B5EF4-FFF2-40B4-BE49-F238E27FC236}">
+                    <a16:creationId xmlns:a16="http://schemas.microsoft.com/office/drawing/2014/main" id="{E0144574-2F8A-C146-8DAC-3B59EEC4BFE0}"/>
+                  </a:ext>
+                </a:extLst>
+              </p:cNvPr>
               <p:cNvGrpSpPr/>
               <p:nvPr/>
             </p:nvGrpSpPr>
@@ -4091,14 +4187,20 @@
             </p:grpSpPr>
             <p:graphicFrame>
               <p:nvGraphicFramePr>
-                <p:cNvPr id="165" name="Object 8"/>
+                <p:cNvPr id="116" name="Object 8">
+                  <a:extLst>
+                    <a:ext uri="{FF2B5EF4-FFF2-40B4-BE49-F238E27FC236}">
+                      <a16:creationId xmlns:a16="http://schemas.microsoft.com/office/drawing/2014/main" id="{D1EA7C11-E6C0-7644-A5BD-1CE0D43617B2}"/>
+                    </a:ext>
+                  </a:extLst>
+                </p:cNvPr>
                 <p:cNvGraphicFramePr>
                   <a:graphicFrameLocks noChangeAspect="1"/>
                 </p:cNvGraphicFramePr>
                 <p:nvPr>
                   <p:extLst>
                     <p:ext uri="{D42A27DB-BD31-4B8C-83A1-F6EECF244321}">
-                      <p14:modId xmlns:p14="http://schemas.microsoft.com/office/powerpoint/2010/main" val="3841009011"/>
+                      <p14:modId xmlns:p14="http://schemas.microsoft.com/office/powerpoint/2010/main" val="3918192955"/>
                     </p:ext>
                   </p:extLst>
                 </p:nvPr>
@@ -4111,7 +4213,7 @@
                 <a:graphicData uri="http://schemas.openxmlformats.org/presentationml/2006/ole">
                   <mc:AlternateContent xmlns:mc="http://schemas.openxmlformats.org/markup-compatibility/2006">
                     <mc:Choice xmlns:v="urn:schemas-microsoft-com:vml" Requires="v">
-                      <p:oleObj spid="_x0000_s2076" name="Visio" r:id="rId10" imgW="635000" imgH="1511300" progId="">
+                      <p:oleObj spid="_x0000_s2188" name="Visio" r:id="rId10" imgW="635000" imgH="1511300" progId="">
                         <p:embed/>
                       </p:oleObj>
                     </mc:Choice>
@@ -4120,7 +4222,7 @@
                         <p:embed/>
                         <p:pic>
                           <p:nvPicPr>
-                            <p:cNvPr id="0" name=""/>
+                            <p:cNvPr id="165" name="Object 8"/>
                             <p:cNvPicPr>
                               <a:picLocks noChangeAspect="1" noChangeArrowheads="1"/>
                             </p:cNvPicPr>
@@ -4162,14 +4264,20 @@
             </p:graphicFrame>
             <p:graphicFrame>
               <p:nvGraphicFramePr>
-                <p:cNvPr id="166" name="Object 8"/>
+                <p:cNvPr id="118" name="Object 8">
+                  <a:extLst>
+                    <a:ext uri="{FF2B5EF4-FFF2-40B4-BE49-F238E27FC236}">
+                      <a16:creationId xmlns:a16="http://schemas.microsoft.com/office/drawing/2014/main" id="{EE9FE4CA-CB01-C043-872E-B08439EE91FA}"/>
+                    </a:ext>
+                  </a:extLst>
+                </p:cNvPr>
                 <p:cNvGraphicFramePr>
                   <a:graphicFrameLocks noChangeAspect="1"/>
                 </p:cNvGraphicFramePr>
                 <p:nvPr>
                   <p:extLst>
                     <p:ext uri="{D42A27DB-BD31-4B8C-83A1-F6EECF244321}">
-                      <p14:modId xmlns:p14="http://schemas.microsoft.com/office/powerpoint/2010/main" val="3760142347"/>
+                      <p14:modId xmlns:p14="http://schemas.microsoft.com/office/powerpoint/2010/main" val="505152835"/>
                     </p:ext>
                   </p:extLst>
                 </p:nvPr>
@@ -4182,7 +4290,7 @@
                 <a:graphicData uri="http://schemas.openxmlformats.org/presentationml/2006/ole">
                   <mc:AlternateContent xmlns:mc="http://schemas.openxmlformats.org/markup-compatibility/2006">
                     <mc:Choice xmlns:v="urn:schemas-microsoft-com:vml" Requires="v">
-                      <p:oleObj spid="_x0000_s2077" name="Visio" r:id="rId12" imgW="635000" imgH="1511300" progId="">
+                      <p:oleObj spid="_x0000_s2189" name="Visio" r:id="rId12" imgW="635000" imgH="1511300" progId="">
                         <p:embed/>
                       </p:oleObj>
                     </mc:Choice>
@@ -4191,7 +4299,7 @@
                         <p:embed/>
                         <p:pic>
                           <p:nvPicPr>
-                            <p:cNvPr id="0" name=""/>
+                            <p:cNvPr id="166" name="Object 8"/>
                             <p:cNvPicPr>
                               <a:picLocks noChangeAspect="1" noChangeArrowheads="1"/>
                             </p:cNvPicPr>
@@ -4235,10 +4343,16 @@
         </p:grpSp>
         <p:cxnSp>
           <p:nvCxnSpPr>
-            <p:cNvPr id="128" name="Straight Connector 127"/>
+            <p:cNvPr id="86" name="Straight Connector 85">
+              <a:extLst>
+                <a:ext uri="{FF2B5EF4-FFF2-40B4-BE49-F238E27FC236}">
+                  <a16:creationId xmlns:a16="http://schemas.microsoft.com/office/drawing/2014/main" id="{83FE4448-3FA5-A544-AA95-1F24EFC0360D}"/>
+                </a:ext>
+              </a:extLst>
+            </p:cNvPr>
             <p:cNvCxnSpPr>
-              <a:stCxn id="165" idx="3"/>
-              <a:endCxn id="119" idx="1"/>
+              <a:stCxn id="116" idx="3"/>
+              <a:endCxn id="80" idx="1"/>
             </p:cNvCxnSpPr>
             <p:nvPr/>
           </p:nvCxnSpPr>
@@ -4275,10 +4389,16 @@
         </p:cxnSp>
         <p:cxnSp>
           <p:nvCxnSpPr>
-            <p:cNvPr id="131" name="Straight Connector 130"/>
+            <p:cNvPr id="87" name="Straight Connector 86">
+              <a:extLst>
+                <a:ext uri="{FF2B5EF4-FFF2-40B4-BE49-F238E27FC236}">
+                  <a16:creationId xmlns:a16="http://schemas.microsoft.com/office/drawing/2014/main" id="{25D10DB1-F686-1045-A0C4-8433C600B490}"/>
+                </a:ext>
+              </a:extLst>
+            </p:cNvPr>
             <p:cNvCxnSpPr>
-              <a:stCxn id="166" idx="3"/>
-              <a:endCxn id="119" idx="1"/>
+              <a:stCxn id="118" idx="3"/>
+              <a:endCxn id="80" idx="1"/>
             </p:cNvCxnSpPr>
             <p:nvPr/>
           </p:nvCxnSpPr>
@@ -4315,7 +4435,13 @@
         </p:cxnSp>
         <p:sp>
           <p:nvSpPr>
-            <p:cNvPr id="132" name="Freeform 29"/>
+            <p:cNvPr id="88" name="Freeform 29">
+              <a:extLst>
+                <a:ext uri="{FF2B5EF4-FFF2-40B4-BE49-F238E27FC236}">
+                  <a16:creationId xmlns:a16="http://schemas.microsoft.com/office/drawing/2014/main" id="{61BB14D8-9F49-474D-83A9-7FEEC9D8C04E}"/>
+                </a:ext>
+              </a:extLst>
+            </p:cNvPr>
             <p:cNvSpPr>
               <a:spLocks/>
             </p:cNvSpPr>
@@ -4436,17 +4562,23 @@
         </p:sp>
         <p:cxnSp>
           <p:nvCxnSpPr>
-            <p:cNvPr id="135" name="Straight Arrow Connector 134"/>
+            <p:cNvPr id="89" name="Straight Arrow Connector 88">
+              <a:extLst>
+                <a:ext uri="{FF2B5EF4-FFF2-40B4-BE49-F238E27FC236}">
+                  <a16:creationId xmlns:a16="http://schemas.microsoft.com/office/drawing/2014/main" id="{8C3E6217-73BD-8246-81E8-40DAEEF99926}"/>
+                </a:ext>
+              </a:extLst>
+            </p:cNvPr>
             <p:cNvCxnSpPr>
-              <a:stCxn id="176" idx="1"/>
-              <a:endCxn id="174" idx="3"/>
+              <a:stCxn id="101" idx="1"/>
+              <a:endCxn id="97" idx="3"/>
             </p:cNvCxnSpPr>
             <p:nvPr/>
           </p:nvCxnSpPr>
           <p:spPr>
             <a:xfrm flipH="1" flipV="1">
-              <a:off x="1255426" y="840719"/>
-              <a:ext cx="166449" cy="282"/>
+              <a:off x="1255424" y="840719"/>
+              <a:ext cx="125174" cy="283"/>
             </a:xfrm>
             <a:prstGeom prst="straightConnector1">
               <a:avLst/>
@@ -4477,10 +4609,16 @@
         </p:cxnSp>
         <p:cxnSp>
           <p:nvCxnSpPr>
-            <p:cNvPr id="136" name="Straight Connector 135"/>
+            <p:cNvPr id="90" name="Straight Connector 89">
+              <a:extLst>
+                <a:ext uri="{FF2B5EF4-FFF2-40B4-BE49-F238E27FC236}">
+                  <a16:creationId xmlns:a16="http://schemas.microsoft.com/office/drawing/2014/main" id="{D18C9B6B-B94A-AD4C-BA28-0CCAB76A79F2}"/>
+                </a:ext>
+              </a:extLst>
+            </p:cNvPr>
             <p:cNvCxnSpPr>
-              <a:stCxn id="166" idx="3"/>
-              <a:endCxn id="174" idx="1"/>
+              <a:stCxn id="118" idx="3"/>
+              <a:endCxn id="97" idx="1"/>
             </p:cNvCxnSpPr>
             <p:nvPr/>
           </p:nvCxnSpPr>
@@ -4516,10 +4654,16 @@
         </p:cxnSp>
         <p:cxnSp>
           <p:nvCxnSpPr>
-            <p:cNvPr id="138" name="Straight Connector 137"/>
+            <p:cNvPr id="91" name="Straight Connector 90">
+              <a:extLst>
+                <a:ext uri="{FF2B5EF4-FFF2-40B4-BE49-F238E27FC236}">
+                  <a16:creationId xmlns:a16="http://schemas.microsoft.com/office/drawing/2014/main" id="{5C666CCF-9248-3748-A27D-2651291D3734}"/>
+                </a:ext>
+              </a:extLst>
+            </p:cNvPr>
             <p:cNvCxnSpPr>
-              <a:stCxn id="165" idx="3"/>
-              <a:endCxn id="174" idx="1"/>
+              <a:stCxn id="116" idx="3"/>
+              <a:endCxn id="97" idx="1"/>
             </p:cNvCxnSpPr>
             <p:nvPr/>
           </p:nvCxnSpPr>
@@ -4555,27 +4699,39 @@
         </p:cxnSp>
         <p:grpSp>
           <p:nvGrpSpPr>
-            <p:cNvPr id="143" name="Group 142"/>
+            <p:cNvPr id="92" name="Group 91">
+              <a:extLst>
+                <a:ext uri="{FF2B5EF4-FFF2-40B4-BE49-F238E27FC236}">
+                  <a16:creationId xmlns:a16="http://schemas.microsoft.com/office/drawing/2014/main" id="{3226CC84-602C-B943-8BBF-BF41BAE2028A}"/>
+                </a:ext>
+              </a:extLst>
+            </p:cNvPr>
             <p:cNvGrpSpPr/>
             <p:nvPr/>
           </p:nvGrpSpPr>
           <p:grpSpPr>
             <a:xfrm>
-              <a:off x="1677814" y="691854"/>
+              <a:off x="1646588" y="691854"/>
               <a:ext cx="554211" cy="297982"/>
-              <a:chOff x="2368683" y="590302"/>
+              <a:chOff x="2333907" y="590302"/>
               <a:chExt cx="617164" cy="267464"/>
             </a:xfrm>
           </p:grpSpPr>
           <p:sp>
             <p:nvSpPr>
-              <p:cNvPr id="152" name="Cloud 151"/>
+              <p:cNvPr id="112" name="Cloud 111">
+                <a:extLst>
+                  <a:ext uri="{FF2B5EF4-FFF2-40B4-BE49-F238E27FC236}">
+                    <a16:creationId xmlns:a16="http://schemas.microsoft.com/office/drawing/2014/main" id="{0E0CBA12-6592-FE43-A74B-525FBBC3A699}"/>
+                  </a:ext>
+                </a:extLst>
+              </p:cNvPr>
               <p:cNvSpPr/>
               <p:nvPr/>
             </p:nvSpPr>
             <p:spPr>
               <a:xfrm>
-                <a:off x="2429704" y="590302"/>
+                <a:off x="2401416" y="590302"/>
                 <a:ext cx="377659" cy="267464"/>
               </a:xfrm>
               <a:prstGeom prst="cloud">
@@ -4622,14 +4778,20 @@
           </p:sp>
           <p:sp>
             <p:nvSpPr>
-              <p:cNvPr id="153" name="TextBox 152"/>
+              <p:cNvPr id="113" name="TextBox 112">
+                <a:extLst>
+                  <a:ext uri="{FF2B5EF4-FFF2-40B4-BE49-F238E27FC236}">
+                    <a16:creationId xmlns:a16="http://schemas.microsoft.com/office/drawing/2014/main" id="{9EE7E6C2-E36C-934B-8FAB-D94A840CD779}"/>
+                  </a:ext>
+                </a:extLst>
+              </p:cNvPr>
               <p:cNvSpPr txBox="1"/>
               <p:nvPr/>
             </p:nvSpPr>
             <p:spPr>
               <a:xfrm>
-                <a:off x="2368683" y="603858"/>
-                <a:ext cx="617164" cy="188444"/>
+                <a:off x="2333907" y="636192"/>
+                <a:ext cx="617164" cy="165753"/>
               </a:xfrm>
               <a:prstGeom prst="rect">
                 <a:avLst/>
@@ -4661,17 +4823,23 @@
         </p:grpSp>
         <p:cxnSp>
           <p:nvCxnSpPr>
-            <p:cNvPr id="144" name="Straight Connector 143"/>
+            <p:cNvPr id="93" name="Straight Connector 92">
+              <a:extLst>
+                <a:ext uri="{FF2B5EF4-FFF2-40B4-BE49-F238E27FC236}">
+                  <a16:creationId xmlns:a16="http://schemas.microsoft.com/office/drawing/2014/main" id="{64A64DA0-E705-B74E-8966-CB67E2922501}"/>
+                </a:ext>
+              </a:extLst>
+            </p:cNvPr>
             <p:cNvCxnSpPr>
-              <a:stCxn id="176" idx="3"/>
-              <a:endCxn id="152" idx="2"/>
+              <a:stCxn id="101" idx="3"/>
+              <a:endCxn id="112" idx="2"/>
             </p:cNvCxnSpPr>
             <p:nvPr/>
           </p:nvCxnSpPr>
           <p:spPr>
             <a:xfrm flipV="1">
-              <a:off x="1648679" y="840846"/>
-              <a:ext cx="84983" cy="156"/>
+              <a:off x="1607402" y="840845"/>
+              <a:ext cx="100861" cy="157"/>
             </a:xfrm>
             <a:prstGeom prst="line">
               <a:avLst/>
@@ -4700,28 +4868,40 @@
         </p:cxnSp>
         <p:grpSp>
           <p:nvGrpSpPr>
-            <p:cNvPr id="145" name="Group 144"/>
+            <p:cNvPr id="94" name="Group 93">
+              <a:extLst>
+                <a:ext uri="{FF2B5EF4-FFF2-40B4-BE49-F238E27FC236}">
+                  <a16:creationId xmlns:a16="http://schemas.microsoft.com/office/drawing/2014/main" id="{137D8E87-5E8C-6A47-84EC-336E5B588723}"/>
+                </a:ext>
+              </a:extLst>
+            </p:cNvPr>
             <p:cNvGrpSpPr/>
             <p:nvPr/>
           </p:nvGrpSpPr>
           <p:grpSpPr>
             <a:xfrm>
               <a:off x="573269" y="19248"/>
-              <a:ext cx="435795" cy="227441"/>
+              <a:ext cx="435795" cy="200055"/>
               <a:chOff x="724133" y="-184490"/>
-              <a:chExt cx="357275" cy="182835"/>
+              <a:chExt cx="357275" cy="160820"/>
             </a:xfrm>
           </p:grpSpPr>
           <p:sp>
             <p:nvSpPr>
-              <p:cNvPr id="150" name="TextBox 149"/>
+              <p:cNvPr id="110" name="TextBox 109">
+                <a:extLst>
+                  <a:ext uri="{FF2B5EF4-FFF2-40B4-BE49-F238E27FC236}">
+                    <a16:creationId xmlns:a16="http://schemas.microsoft.com/office/drawing/2014/main" id="{A6B3A231-4739-8D4C-B1E6-C1427A018AEB}"/>
+                  </a:ext>
+                </a:extLst>
+              </p:cNvPr>
               <p:cNvSpPr txBox="1"/>
               <p:nvPr/>
             </p:nvSpPr>
             <p:spPr>
               <a:xfrm>
                 <a:off x="724133" y="-184490"/>
-                <a:ext cx="357275" cy="182835"/>
+                <a:ext cx="357275" cy="160820"/>
               </a:xfrm>
               <a:prstGeom prst="rect">
                 <a:avLst/>
@@ -4753,7 +4933,13 @@
           </p:sp>
           <p:sp>
             <p:nvSpPr>
-              <p:cNvPr id="151" name="Rectangle 150"/>
+              <p:cNvPr id="111" name="Rectangle 110">
+                <a:extLst>
+                  <a:ext uri="{FF2B5EF4-FFF2-40B4-BE49-F238E27FC236}">
+                    <a16:creationId xmlns:a16="http://schemas.microsoft.com/office/drawing/2014/main" id="{887A30B6-6BC6-6446-9FCE-4486C1801705}"/>
+                  </a:ext>
+                </a:extLst>
+              </p:cNvPr>
               <p:cNvSpPr/>
               <p:nvPr/>
             </p:nvSpPr>
@@ -4803,14 +4989,20 @@
         </p:grpSp>
         <p:sp>
           <p:nvSpPr>
-            <p:cNvPr id="146" name="Rectangle 145"/>
+            <p:cNvPr id="95" name="Rectangle 94">
+              <a:extLst>
+                <a:ext uri="{FF2B5EF4-FFF2-40B4-BE49-F238E27FC236}">
+                  <a16:creationId xmlns:a16="http://schemas.microsoft.com/office/drawing/2014/main" id="{55406C19-80CD-B34C-9E3C-9244F461FC42}"/>
+                </a:ext>
+              </a:extLst>
+            </p:cNvPr>
             <p:cNvSpPr/>
             <p:nvPr/>
           </p:nvSpPr>
           <p:spPr>
             <a:xfrm>
-              <a:off x="521043" y="126374"/>
-              <a:ext cx="527028" cy="209945"/>
+              <a:off x="524710" y="126374"/>
+              <a:ext cx="519693" cy="184666"/>
             </a:xfrm>
             <a:prstGeom prst="rect">
               <a:avLst/>
@@ -4846,28 +5038,40 @@
         </p:sp>
         <p:grpSp>
           <p:nvGrpSpPr>
-            <p:cNvPr id="147" name="Group 146"/>
+            <p:cNvPr id="96" name="Group 95">
+              <a:extLst>
+                <a:ext uri="{FF2B5EF4-FFF2-40B4-BE49-F238E27FC236}">
+                  <a16:creationId xmlns:a16="http://schemas.microsoft.com/office/drawing/2014/main" id="{0719B240-8EE9-234A-8932-3E8ABA3DDA0A}"/>
+                </a:ext>
+              </a:extLst>
+            </p:cNvPr>
             <p:cNvGrpSpPr/>
             <p:nvPr/>
           </p:nvGrpSpPr>
           <p:grpSpPr>
             <a:xfrm>
-              <a:off x="1205414" y="454178"/>
-              <a:ext cx="364465" cy="227441"/>
-              <a:chOff x="1720432" y="305609"/>
-              <a:chExt cx="309729" cy="182835"/>
+              <a:off x="1207951" y="454178"/>
+              <a:ext cx="359395" cy="200055"/>
+              <a:chOff x="1722586" y="305609"/>
+              <a:chExt cx="305420" cy="160820"/>
             </a:xfrm>
           </p:grpSpPr>
           <p:sp>
             <p:nvSpPr>
-              <p:cNvPr id="148" name="Rectangle 147"/>
+              <p:cNvPr id="108" name="Rectangle 107">
+                <a:extLst>
+                  <a:ext uri="{FF2B5EF4-FFF2-40B4-BE49-F238E27FC236}">
+                    <a16:creationId xmlns:a16="http://schemas.microsoft.com/office/drawing/2014/main" id="{770B17A5-F1E6-7D4E-988B-4564992677C7}"/>
+                  </a:ext>
+                </a:extLst>
+              </p:cNvPr>
               <p:cNvSpPr/>
               <p:nvPr/>
             </p:nvSpPr>
             <p:spPr>
               <a:xfrm>
-                <a:off x="1720432" y="305609"/>
-                <a:ext cx="309729" cy="182835"/>
+                <a:off x="1722586" y="305609"/>
+                <a:ext cx="305420" cy="160820"/>
               </a:xfrm>
               <a:prstGeom prst="rect">
                 <a:avLst/>
@@ -4907,7 +5111,13 @@
           </p:sp>
           <p:sp>
             <p:nvSpPr>
-              <p:cNvPr id="149" name="Rectangle 148"/>
+              <p:cNvPr id="109" name="Rectangle 108">
+                <a:extLst>
+                  <a:ext uri="{FF2B5EF4-FFF2-40B4-BE49-F238E27FC236}">
+                    <a16:creationId xmlns:a16="http://schemas.microsoft.com/office/drawing/2014/main" id="{288CA306-0C41-F647-A9C0-E9606B21C7E8}"/>
+                  </a:ext>
+                </a:extLst>
+              </p:cNvPr>
               <p:cNvSpPr/>
               <p:nvPr/>
             </p:nvSpPr>
@@ -4957,7 +5167,13 @@
         </p:grpSp>
         <p:sp>
           <p:nvSpPr>
-            <p:cNvPr id="174" name="Rectangle 173"/>
+            <p:cNvPr id="97" name="Rectangle 96">
+              <a:extLst>
+                <a:ext uri="{FF2B5EF4-FFF2-40B4-BE49-F238E27FC236}">
+                  <a16:creationId xmlns:a16="http://schemas.microsoft.com/office/drawing/2014/main" id="{CC2553B9-0607-8E43-8D2C-8557236E8BDF}"/>
+                </a:ext>
+              </a:extLst>
+            </p:cNvPr>
             <p:cNvSpPr/>
             <p:nvPr/>
           </p:nvSpPr>
@@ -5005,14 +5221,20 @@
         </p:sp>
         <p:sp>
           <p:nvSpPr>
-            <p:cNvPr id="162" name="TextBox 161"/>
+            <p:cNvPr id="98" name="TextBox 97">
+              <a:extLst>
+                <a:ext uri="{FF2B5EF4-FFF2-40B4-BE49-F238E27FC236}">
+                  <a16:creationId xmlns:a16="http://schemas.microsoft.com/office/drawing/2014/main" id="{9383F962-988E-4143-BD5E-8170C661AAEF}"/>
+                </a:ext>
+              </a:extLst>
+            </p:cNvPr>
             <p:cNvSpPr txBox="1"/>
             <p:nvPr/>
           </p:nvSpPr>
           <p:spPr>
             <a:xfrm>
               <a:off x="959869" y="749014"/>
-              <a:ext cx="394851" cy="209945"/>
+              <a:ext cx="394851" cy="184666"/>
             </a:xfrm>
             <a:prstGeom prst="rect">
               <a:avLst/>
@@ -5043,7 +5265,13 @@
         </p:sp>
         <p:sp>
           <p:nvSpPr>
-            <p:cNvPr id="175" name="Rectangle 174"/>
+            <p:cNvPr id="99" name="Rectangle 98">
+              <a:extLst>
+                <a:ext uri="{FF2B5EF4-FFF2-40B4-BE49-F238E27FC236}">
+                  <a16:creationId xmlns:a16="http://schemas.microsoft.com/office/drawing/2014/main" id="{5704E547-F60E-C043-AE00-EE27DE00B585}"/>
+                </a:ext>
+              </a:extLst>
+            </p:cNvPr>
             <p:cNvSpPr/>
             <p:nvPr/>
           </p:nvSpPr>
@@ -5091,14 +5319,20 @@
         </p:sp>
         <p:sp>
           <p:nvSpPr>
-            <p:cNvPr id="155" name="TextBox 154"/>
+            <p:cNvPr id="100" name="TextBox 99">
+              <a:extLst>
+                <a:ext uri="{FF2B5EF4-FFF2-40B4-BE49-F238E27FC236}">
+                  <a16:creationId xmlns:a16="http://schemas.microsoft.com/office/drawing/2014/main" id="{FCDE3289-6E7F-7640-ACB5-1CE3843F03CD}"/>
+                </a:ext>
+              </a:extLst>
+            </p:cNvPr>
             <p:cNvSpPr txBox="1"/>
             <p:nvPr/>
           </p:nvSpPr>
           <p:spPr>
             <a:xfrm>
               <a:off x="1352073" y="222556"/>
-              <a:ext cx="325740" cy="209945"/>
+              <a:ext cx="325740" cy="184666"/>
             </a:xfrm>
             <a:prstGeom prst="rect">
               <a:avLst/>
@@ -5125,13 +5359,19 @@
         </p:sp>
         <p:sp>
           <p:nvSpPr>
-            <p:cNvPr id="176" name="Rectangle 175"/>
+            <p:cNvPr id="101" name="Rectangle 100">
+              <a:extLst>
+                <a:ext uri="{FF2B5EF4-FFF2-40B4-BE49-F238E27FC236}">
+                  <a16:creationId xmlns:a16="http://schemas.microsoft.com/office/drawing/2014/main" id="{145E4E7D-2F3C-9441-852F-C2693A3C0EB6}"/>
+                </a:ext>
+              </a:extLst>
+            </p:cNvPr>
             <p:cNvSpPr/>
             <p:nvPr/>
           </p:nvSpPr>
           <p:spPr>
             <a:xfrm>
-              <a:off x="1421873" y="737880"/>
+              <a:off x="1380598" y="737880"/>
               <a:ext cx="226804" cy="206243"/>
             </a:xfrm>
             <a:prstGeom prst="rect">
@@ -5173,14 +5413,20 @@
         </p:sp>
         <p:sp>
           <p:nvSpPr>
-            <p:cNvPr id="160" name="TextBox 159"/>
+            <p:cNvPr id="102" name="TextBox 101">
+              <a:extLst>
+                <a:ext uri="{FF2B5EF4-FFF2-40B4-BE49-F238E27FC236}">
+                  <a16:creationId xmlns:a16="http://schemas.microsoft.com/office/drawing/2014/main" id="{8C002938-577F-4145-86DD-4A377AD58585}"/>
+                </a:ext>
+              </a:extLst>
+            </p:cNvPr>
             <p:cNvSpPr txBox="1"/>
             <p:nvPr/>
           </p:nvSpPr>
           <p:spPr>
             <a:xfrm>
-              <a:off x="1349651" y="743932"/>
-              <a:ext cx="420774" cy="209945"/>
+              <a:off x="1308376" y="743932"/>
+              <a:ext cx="420774" cy="184666"/>
             </a:xfrm>
             <a:prstGeom prst="rect">
               <a:avLst/>
@@ -5211,10 +5457,10 @@
         </p:sp>
         <p:grpSp>
           <p:nvGrpSpPr>
-            <p:cNvPr id="6" name="Group 5">
+            <p:cNvPr id="103" name="Group 102">
               <a:extLst>
                 <a:ext uri="{FF2B5EF4-FFF2-40B4-BE49-F238E27FC236}">
-                  <a16:creationId xmlns:a16="http://schemas.microsoft.com/office/drawing/2014/main" id="{DDD6CADD-0196-8845-838B-85DF16A103CA}"/>
+                  <a16:creationId xmlns:a16="http://schemas.microsoft.com/office/drawing/2014/main" id="{9C865293-A709-4E4F-AE90-FE3A3FBB9FF0}"/>
                 </a:ext>
               </a:extLst>
             </p:cNvPr>
@@ -5223,22 +5469,28 @@
           </p:nvGrpSpPr>
           <p:grpSpPr>
             <a:xfrm>
-              <a:off x="1466711" y="-28324"/>
-              <a:ext cx="607428" cy="309395"/>
-              <a:chOff x="1451279" y="-82550"/>
-              <a:chExt cx="607428" cy="309395"/>
+              <a:off x="1387336" y="-28324"/>
+              <a:ext cx="607428" cy="284116"/>
+              <a:chOff x="1371904" y="-82550"/>
+              <a:chExt cx="607428" cy="284116"/>
             </a:xfrm>
           </p:grpSpPr>
           <p:sp>
             <p:nvSpPr>
-              <p:cNvPr id="158" name="TextBox 157"/>
+              <p:cNvPr id="104" name="TextBox 103">
+                <a:extLst>
+                  <a:ext uri="{FF2B5EF4-FFF2-40B4-BE49-F238E27FC236}">
+                    <a16:creationId xmlns:a16="http://schemas.microsoft.com/office/drawing/2014/main" id="{C778DF7C-8A74-F44E-BDF8-D0BF5340EF00}"/>
+                  </a:ext>
+                </a:extLst>
+              </p:cNvPr>
               <p:cNvSpPr txBox="1"/>
               <p:nvPr/>
             </p:nvSpPr>
             <p:spPr>
               <a:xfrm>
-                <a:off x="1451279" y="-82550"/>
-                <a:ext cx="607428" cy="209945"/>
+                <a:off x="1371904" y="-82550"/>
+                <a:ext cx="607428" cy="184666"/>
               </a:xfrm>
               <a:prstGeom prst="rect">
                 <a:avLst/>
@@ -5269,13 +5521,19 @@
           </p:sp>
           <p:cxnSp>
             <p:nvCxnSpPr>
-              <p:cNvPr id="156" name="Straight Connector 155"/>
+              <p:cNvPr id="105" name="Straight Connector 104">
+                <a:extLst>
+                  <a:ext uri="{FF2B5EF4-FFF2-40B4-BE49-F238E27FC236}">
+                    <a16:creationId xmlns:a16="http://schemas.microsoft.com/office/drawing/2014/main" id="{65ED8DA4-3D3F-8F4D-BDC8-A8A3A21EC1EA}"/>
+                  </a:ext>
+                </a:extLst>
+              </p:cNvPr>
               <p:cNvCxnSpPr/>
               <p:nvPr/>
             </p:nvCxnSpPr>
             <p:spPr>
               <a:xfrm>
-                <a:off x="1842246" y="31470"/>
+                <a:off x="1762871" y="31470"/>
                 <a:ext cx="192892" cy="0"/>
               </a:xfrm>
               <a:prstGeom prst="line">
@@ -5306,13 +5564,19 @@
           </p:cxnSp>
           <p:cxnSp>
             <p:nvCxnSpPr>
-              <p:cNvPr id="157" name="Straight Connector 156"/>
+              <p:cNvPr id="106" name="Straight Connector 105">
+                <a:extLst>
+                  <a:ext uri="{FF2B5EF4-FFF2-40B4-BE49-F238E27FC236}">
+                    <a16:creationId xmlns:a16="http://schemas.microsoft.com/office/drawing/2014/main" id="{0E6C72D8-00B6-934F-BA3A-B369E590C83F}"/>
+                  </a:ext>
+                </a:extLst>
+              </p:cNvPr>
               <p:cNvCxnSpPr/>
               <p:nvPr/>
             </p:nvCxnSpPr>
             <p:spPr>
               <a:xfrm>
-                <a:off x="1815616" y="134629"/>
+                <a:off x="1736241" y="134629"/>
                 <a:ext cx="195243" cy="1"/>
               </a:xfrm>
               <a:prstGeom prst="line">
@@ -5342,10 +5606,10 @@
           </p:cxnSp>
           <p:sp>
             <p:nvSpPr>
-              <p:cNvPr id="2" name="Rectangle 1">
+              <p:cNvPr id="107" name="Rectangle 106">
                 <a:extLst>
                   <a:ext uri="{FF2B5EF4-FFF2-40B4-BE49-F238E27FC236}">
-                    <a16:creationId xmlns:a16="http://schemas.microsoft.com/office/drawing/2014/main" id="{F3EDF016-1EF6-004E-B45B-44099420E125}"/>
+                    <a16:creationId xmlns:a16="http://schemas.microsoft.com/office/drawing/2014/main" id="{7CC37E2D-E527-8048-AE6D-049929B665B5}"/>
                   </a:ext>
                 </a:extLst>
               </p:cNvPr>
@@ -5354,8 +5618,8 @@
             </p:nvSpPr>
             <p:spPr>
               <a:xfrm>
-                <a:off x="1463730" y="16900"/>
-                <a:ext cx="379096" cy="209945"/>
+                <a:off x="1384355" y="16900"/>
+                <a:ext cx="373820" cy="184666"/>
               </a:xfrm>
               <a:prstGeom prst="rect">
                 <a:avLst/>
